--- a/ark-hackprinceton-presentation.pptx
+++ b/ark-hackprinceton-presentation.pptx
@@ -3115,7 +3115,7 @@
       </p:grpSpPr>
       <p:sp>
         <p:nvSpPr>
-          <p:cNvPr id="143" name="Fast"/>
+          <p:cNvPr id="144" name="Fast"/>
           <p:cNvSpPr txBox="1"/>
           <p:nvPr>
             <p:ph type="title" idx="4294967295"/>
@@ -3155,7 +3155,7 @@
       </p:sp>
       <p:pic>
         <p:nvPicPr>
-          <p:cNvPr id="144" name="fast.png" descr="fast.png"/>
+          <p:cNvPr id="145" name="fast.png" descr="fast.png"/>
           <p:cNvPicPr>
             <a:picLocks noChangeAspect="1"/>
           </p:cNvPicPr>
@@ -3210,7 +3210,7 @@
       </p:grpSpPr>
       <p:pic>
         <p:nvPicPr>
-          <p:cNvPr id="146" name="Horizon.png" descr="Horizon.png"/>
+          <p:cNvPr id="147" name="Horizon.png" descr="Horizon.png"/>
           <p:cNvPicPr>
             <a:picLocks noChangeAspect="1"/>
           </p:cNvPicPr>
@@ -3226,7 +3226,7 @@
         </p:blipFill>
         <p:spPr>
           <a:xfrm>
-            <a:off x="4594464" y="4642766"/>
+            <a:off x="4594464" y="4642765"/>
             <a:ext cx="8521701" cy="5321301"/>
           </a:xfrm>
           <a:prstGeom prst="rect">
@@ -3265,7 +3265,7 @@
       </p:grpSpPr>
       <p:sp>
         <p:nvSpPr>
-          <p:cNvPr id="148" name="Scalable"/>
+          <p:cNvPr id="149" name="Scalable"/>
           <p:cNvSpPr txBox="1"/>
           <p:nvPr>
             <p:ph type="title" idx="4294967295"/>
@@ -3305,7 +3305,7 @@
       </p:sp>
       <p:pic>
         <p:nvPicPr>
-          <p:cNvPr id="149" name="scalable.png" descr="scalable.png"/>
+          <p:cNvPr id="150" name="scalable.png" descr="scalable.png"/>
           <p:cNvPicPr>
             <a:picLocks noChangeAspect="1"/>
           </p:cNvPicPr>
@@ -3322,7 +3322,7 @@
         <p:spPr>
           <a:xfrm>
             <a:off x="4260590" y="2758795"/>
-            <a:ext cx="8744211" cy="4236010"/>
+            <a:ext cx="8744210" cy="4236010"/>
           </a:xfrm>
           <a:prstGeom prst="rect">
             <a:avLst/>
@@ -3360,7 +3360,7 @@
       </p:grpSpPr>
       <p:pic>
         <p:nvPicPr>
-          <p:cNvPr id="151" name="banner-developers.png" descr="banner-developers.png"/>
+          <p:cNvPr id="152" name="wizard-kid.png" descr="wizard-kid.png"/>
           <p:cNvPicPr>
             <a:picLocks noChangeAspect="1"/>
           </p:cNvPicPr>
@@ -3376,8 +3376,8 @@
         </p:blipFill>
         <p:spPr>
           <a:xfrm>
-            <a:off x="8079101" y="169721"/>
-            <a:ext cx="4749801" cy="3187701"/>
+            <a:off x="6344055" y="0"/>
+            <a:ext cx="6666690" cy="9753600"/>
           </a:xfrm>
           <a:prstGeom prst="rect">
             <a:avLst/>
@@ -3415,7 +3415,7 @@
       </p:grpSpPr>
       <p:sp>
         <p:nvSpPr>
-          <p:cNvPr id="153" name="Welcome Aboard!"/>
+          <p:cNvPr id="154" name="Welcome Aboard!"/>
           <p:cNvSpPr txBox="1"/>
           <p:nvPr>
             <p:ph type="title" idx="4294967295"/>
@@ -3455,7 +3455,7 @@
       </p:sp>
       <p:pic>
         <p:nvPicPr>
-          <p:cNvPr id="154" name="ship.png" descr="ship.png"/>
+          <p:cNvPr id="155" name="ship.png" descr="ship.png"/>
           <p:cNvPicPr>
             <a:picLocks noChangeAspect="1"/>
           </p:cNvPicPr>
@@ -3526,7 +3526,7 @@
         </p:blipFill>
         <p:spPr>
           <a:xfrm>
-            <a:off x="8352385" y="4978144"/>
+            <a:off x="8352384" y="4978144"/>
             <a:ext cx="4432301" cy="4660901"/>
           </a:xfrm>
           <a:prstGeom prst="rect">
@@ -3772,7 +3772,7 @@
         <p:spPr>
           <a:xfrm>
             <a:off x="1447356" y="3380204"/>
-            <a:ext cx="10110088" cy="6123953"/>
+            <a:ext cx="10110088" cy="6123954"/>
           </a:xfrm>
           <a:prstGeom prst="rect">
             <a:avLst/>
@@ -3867,7 +3867,7 @@
         <p:spPr>
           <a:xfrm>
             <a:off x="6813661" y="4159072"/>
-            <a:ext cx="6135307" cy="5533806"/>
+            <a:ext cx="6135308" cy="5533806"/>
           </a:xfrm>
           <a:prstGeom prst="rect">
             <a:avLst/>
@@ -4027,6 +4027,35 @@
           </a:ln>
         </p:spPr>
       </p:pic>
+      <p:pic>
+        <p:nvPicPr>
+          <p:cNvPr id="139" name="banner-developers.png" descr="banner-developers.png"/>
+          <p:cNvPicPr>
+            <a:picLocks noChangeAspect="1"/>
+          </p:cNvPicPr>
+          <p:nvPr/>
+        </p:nvPicPr>
+        <p:blipFill>
+          <a:blip r:embed="rId3">
+            <a:extLst/>
+          </a:blip>
+          <a:stretch>
+            <a:fillRect/>
+          </a:stretch>
+        </p:blipFill>
+        <p:spPr>
+          <a:xfrm>
+            <a:off x="10004102" y="390415"/>
+            <a:ext cx="2692919" cy="1807281"/>
+          </a:xfrm>
+          <a:prstGeom prst="rect">
+            <a:avLst/>
+          </a:prstGeom>
+          <a:ln w="12700">
+            <a:miter lim="400000"/>
+          </a:ln>
+        </p:spPr>
+      </p:pic>
     </p:spTree>
   </p:cSld>
   <p:clrMapOvr>
@@ -4055,7 +4084,7 @@
       </p:grpSpPr>
       <p:sp>
         <p:nvSpPr>
-          <p:cNvPr id="140" name="Safe"/>
+          <p:cNvPr id="141" name="Safe"/>
           <p:cNvSpPr txBox="1"/>
           <p:nvPr>
             <p:ph type="title" idx="4294967295"/>
@@ -4095,7 +4124,7 @@
       </p:sp>
       <p:pic>
         <p:nvPicPr>
-          <p:cNvPr id="141" name="Safe.png" descr="Safe.png"/>
+          <p:cNvPr id="142" name="Safe.png" descr="Safe.png"/>
           <p:cNvPicPr>
             <a:picLocks noChangeAspect="1"/>
           </p:cNvPicPr>
@@ -4111,8 +4140,8 @@
         </p:blipFill>
         <p:spPr>
           <a:xfrm>
-            <a:off x="6062704" y="4960207"/>
-            <a:ext cx="6504299" cy="4061553"/>
+            <a:off x="6062703" y="4960208"/>
+            <a:ext cx="6504300" cy="4061552"/>
           </a:xfrm>
           <a:prstGeom prst="rect">
             <a:avLst/>
